--- a/FinalProject_worksheet.pptx
+++ b/FinalProject_worksheet.pptx
@@ -8,7 +8,7 @@
     <p:notesMasterId r:id="rId3"/>
   </p:notesMasterIdLst>
   <p:sldIdLst>
-    <p:sldId id="330" r:id="rId2"/>
+    <p:sldId id="331" r:id="rId2"/>
   </p:sldIdLst>
   <p:sldSz cx="9144000" cy="6858000" type="screen4x3"/>
   <p:notesSz cx="7010400" cy="9236075"/>
@@ -156,8 +156,115 @@
 </p:presentation>
 </file>
 
+<file path=ppt/revisionInfo.xml><?xml version="1.0" encoding="utf-8"?>
+<p1510:revInfo xmlns:a="http://schemas.openxmlformats.org/drawingml/2006/main" xmlns:r="http://schemas.openxmlformats.org/officeDocument/2006/relationships" xmlns:p1510="http://schemas.microsoft.com/office/powerpoint/2015/10/main">
+  <p1510:revLst>
+    <p1510:client id="{01FB76FA-8344-455A-991A-5FF134E40EA8}" v="37" dt="2024-02-21T17:47:46.530"/>
+    <p1510:client id="{91D96A2D-37B8-4CD9-973D-67B1D3619DA1}" v="1004" dt="2024-02-22T17:36:58.402"/>
+    <p1510:client id="{B38AD4CB-6E3B-48F3-8630-FADFD9ADBA1D}" v="195" dt="2024-02-22T17:29:57.674"/>
+    <p1510:client id="{D5BAD9EA-3B4B-4F8C-9A7C-8C8CA758EFBC}" v="742" dt="2024-02-22T17:25:14.572"/>
+  </p1510:revLst>
+</p1510:revInfo>
+</file>
+
 <file path=ppt/changesInfos/changesInfo1.xml><?xml version="1.0" encoding="utf-8"?>
 <pc:chgInfo xmlns:a="http://schemas.openxmlformats.org/drawingml/2006/main" xmlns:r="http://schemas.openxmlformats.org/officeDocument/2006/relationships" xmlns:ac="http://schemas.microsoft.com/office/drawing/2013/main/command" xmlns:pc="http://schemas.microsoft.com/office/powerpoint/2013/main/command">
+  <pc:docChgLst>
+    <pc:chgData name="Stone, Thomas (LCDR)" userId="S::thomas.stone@nps.edu::f757e949-6eb3-443b-82aa-56398b165ae2" providerId="AD" clId="Web-{01FB76FA-8344-455A-991A-5FF134E40EA8}"/>
+    <pc:docChg chg="modSld">
+      <pc:chgData name="Stone, Thomas (LCDR)" userId="S::thomas.stone@nps.edu::f757e949-6eb3-443b-82aa-56398b165ae2" providerId="AD" clId="Web-{01FB76FA-8344-455A-991A-5FF134E40EA8}" dt="2024-02-21T17:47:46.530" v="36" actId="20577"/>
+      <pc:docMkLst>
+        <pc:docMk/>
+      </pc:docMkLst>
+      <pc:sldChg chg="modSp">
+        <pc:chgData name="Stone, Thomas (LCDR)" userId="S::thomas.stone@nps.edu::f757e949-6eb3-443b-82aa-56398b165ae2" providerId="AD" clId="Web-{01FB76FA-8344-455A-991A-5FF134E40EA8}" dt="2024-02-21T17:47:46.530" v="36" actId="20577"/>
+        <pc:sldMkLst>
+          <pc:docMk/>
+          <pc:sldMk cId="3166837950" sldId="330"/>
+        </pc:sldMkLst>
+        <pc:spChg chg="mod">
+          <ac:chgData name="Stone, Thomas (LCDR)" userId="S::thomas.stone@nps.edu::f757e949-6eb3-443b-82aa-56398b165ae2" providerId="AD" clId="Web-{01FB76FA-8344-455A-991A-5FF134E40EA8}" dt="2024-02-21T17:47:46.530" v="36" actId="20577"/>
+          <ac:spMkLst>
+            <pc:docMk/>
+            <pc:sldMk cId="3166837950" sldId="330"/>
+            <ac:spMk id="4" creationId="{33CD3055-9833-0A47-9D29-83EC43BA9EDA}"/>
+          </ac:spMkLst>
+        </pc:spChg>
+      </pc:sldChg>
+    </pc:docChg>
+  </pc:docChgLst>
+  <pc:docChgLst>
+    <pc:chgData name="Berner, John (Capt)" userId="f379202f-6e39-48b5-8429-00f5d5d5b8e0" providerId="ADAL" clId="{91D96A2D-37B8-4CD9-973D-67B1D3619DA1}"/>
+    <pc:docChg chg="undo custSel addSld modSld">
+      <pc:chgData name="Berner, John (Capt)" userId="f379202f-6e39-48b5-8429-00f5d5d5b8e0" providerId="ADAL" clId="{91D96A2D-37B8-4CD9-973D-67B1D3619DA1}" dt="2024-02-22T05:59:40.624" v="2817" actId="20577"/>
+      <pc:docMkLst>
+        <pc:docMk/>
+      </pc:docMkLst>
+      <pc:sldChg chg="modSp add mod">
+        <pc:chgData name="Berner, John (Capt)" userId="f379202f-6e39-48b5-8429-00f5d5d5b8e0" providerId="ADAL" clId="{91D96A2D-37B8-4CD9-973D-67B1D3619DA1}" dt="2024-02-22T05:59:40.624" v="2817" actId="20577"/>
+        <pc:sldMkLst>
+          <pc:docMk/>
+          <pc:sldMk cId="1054303933" sldId="331"/>
+        </pc:sldMkLst>
+        <pc:spChg chg="mod">
+          <ac:chgData name="Berner, John (Capt)" userId="f379202f-6e39-48b5-8429-00f5d5d5b8e0" providerId="ADAL" clId="{91D96A2D-37B8-4CD9-973D-67B1D3619DA1}" dt="2024-02-22T05:56:22.547" v="2753" actId="1035"/>
+          <ac:spMkLst>
+            <pc:docMk/>
+            <pc:sldMk cId="1054303933" sldId="331"/>
+            <ac:spMk id="8" creationId="{68633EE4-107B-EF4D-B1E4-D1888C69D104}"/>
+          </ac:spMkLst>
+        </pc:spChg>
+        <pc:spChg chg="mod">
+          <ac:chgData name="Berner, John (Capt)" userId="f379202f-6e39-48b5-8429-00f5d5d5b8e0" providerId="ADAL" clId="{91D96A2D-37B8-4CD9-973D-67B1D3619DA1}" dt="2024-02-22T05:56:40.922" v="2754" actId="14100"/>
+          <ac:spMkLst>
+            <pc:docMk/>
+            <pc:sldMk cId="1054303933" sldId="331"/>
+            <ac:spMk id="14" creationId="{CA69EBEB-90B8-F044-B34A-AD35735C795F}"/>
+          </ac:spMkLst>
+        </pc:spChg>
+        <pc:spChg chg="mod">
+          <ac:chgData name="Berner, John (Capt)" userId="f379202f-6e39-48b5-8429-00f5d5d5b8e0" providerId="ADAL" clId="{91D96A2D-37B8-4CD9-973D-67B1D3619DA1}" dt="2024-02-22T05:56:22.547" v="2753" actId="1035"/>
+          <ac:spMkLst>
+            <pc:docMk/>
+            <pc:sldMk cId="1054303933" sldId="331"/>
+            <ac:spMk id="15" creationId="{DED6A685-D545-8F4D-AC27-2371388F7C52}"/>
+          </ac:spMkLst>
+        </pc:spChg>
+        <pc:spChg chg="mod">
+          <ac:chgData name="Berner, John (Capt)" userId="f379202f-6e39-48b5-8429-00f5d5d5b8e0" providerId="ADAL" clId="{91D96A2D-37B8-4CD9-973D-67B1D3619DA1}" dt="2024-02-22T05:42:55.013" v="1485" actId="20577"/>
+          <ac:spMkLst>
+            <pc:docMk/>
+            <pc:sldMk cId="1054303933" sldId="331"/>
+            <ac:spMk id="16" creationId="{419B1884-F54B-894F-B8EA-8E5EE6982352}"/>
+          </ac:spMkLst>
+        </pc:spChg>
+        <pc:spChg chg="mod">
+          <ac:chgData name="Berner, John (Capt)" userId="f379202f-6e39-48b5-8429-00f5d5d5b8e0" providerId="ADAL" clId="{91D96A2D-37B8-4CD9-973D-67B1D3619DA1}" dt="2024-02-22T05:50:35.451" v="1931" actId="255"/>
+          <ac:spMkLst>
+            <pc:docMk/>
+            <pc:sldMk cId="1054303933" sldId="331"/>
+            <ac:spMk id="17" creationId="{369B523C-6971-024F-BF19-A7B40DEE58AC}"/>
+          </ac:spMkLst>
+        </pc:spChg>
+        <pc:spChg chg="mod">
+          <ac:chgData name="Berner, John (Capt)" userId="f379202f-6e39-48b5-8429-00f5d5d5b8e0" providerId="ADAL" clId="{91D96A2D-37B8-4CD9-973D-67B1D3619DA1}" dt="2024-02-22T05:55:13.055" v="2711" actId="13926"/>
+          <ac:spMkLst>
+            <pc:docMk/>
+            <pc:sldMk cId="1054303933" sldId="331"/>
+            <ac:spMk id="18" creationId="{4E414C81-A2D0-A647-8E8D-D775471A6A5C}"/>
+          </ac:spMkLst>
+        </pc:spChg>
+        <pc:spChg chg="mod">
+          <ac:chgData name="Berner, John (Capt)" userId="f379202f-6e39-48b5-8429-00f5d5d5b8e0" providerId="ADAL" clId="{91D96A2D-37B8-4CD9-973D-67B1D3619DA1}" dt="2024-02-22T05:59:40.624" v="2817" actId="20577"/>
+          <ac:spMkLst>
+            <pc:docMk/>
+            <pc:sldMk cId="1054303933" sldId="331"/>
+            <ac:spMk id="19" creationId="{E4A925EA-D32D-8143-AE62-AE5A94FD3B08}"/>
+          </ac:spMkLst>
+        </pc:spChg>
+      </pc:sldChg>
+    </pc:docChg>
+  </pc:docChgLst>
   <pc:docChgLst>
     <pc:chgData name="Urban, Conrad (FORNATL, GY)" userId="1c69ff96-4614-4980-88dd-454a03b7a553" providerId="ADAL" clId="{8009D252-BCFC-4E06-B3FC-A5DD28FB6A1F}"/>
     <pc:docChg chg="custSel modSld">
@@ -193,6 +300,245 @@
             <pc:docMk/>
             <pc:sldMk cId="3166837950" sldId="330"/>
             <ac:spMk id="18" creationId="{4E414C81-A2D0-A647-8E8D-D775471A6A5C}"/>
+          </ac:spMkLst>
+        </pc:spChg>
+      </pc:sldChg>
+    </pc:docChg>
+  </pc:docChgLst>
+  <pc:docChgLst>
+    <pc:chgData name="Stone, Thomas (LCDR)" userId="S::thomas.stone@nps.edu::f757e949-6eb3-443b-82aa-56398b165ae2" providerId="AD" clId="Web-{D5BAD9EA-3B4B-4F8C-9A7C-8C8CA758EFBC}"/>
+    <pc:docChg chg="modSld">
+      <pc:chgData name="Stone, Thomas (LCDR)" userId="S::thomas.stone@nps.edu::f757e949-6eb3-443b-82aa-56398b165ae2" providerId="AD" clId="Web-{D5BAD9EA-3B4B-4F8C-9A7C-8C8CA758EFBC}" dt="2024-02-22T17:25:13.619" v="369" actId="20577"/>
+      <pc:docMkLst>
+        <pc:docMk/>
+      </pc:docMkLst>
+      <pc:sldChg chg="modSp">
+        <pc:chgData name="Stone, Thomas (LCDR)" userId="S::thomas.stone@nps.edu::f757e949-6eb3-443b-82aa-56398b165ae2" providerId="AD" clId="Web-{D5BAD9EA-3B4B-4F8C-9A7C-8C8CA758EFBC}" dt="2024-02-22T17:25:13.619" v="369" actId="20577"/>
+        <pc:sldMkLst>
+          <pc:docMk/>
+          <pc:sldMk cId="1054303933" sldId="331"/>
+        </pc:sldMkLst>
+        <pc:spChg chg="mod">
+          <ac:chgData name="Stone, Thomas (LCDR)" userId="S::thomas.stone@nps.edu::f757e949-6eb3-443b-82aa-56398b165ae2" providerId="AD" clId="Web-{D5BAD9EA-3B4B-4F8C-9A7C-8C8CA758EFBC}" dt="2024-02-22T17:25:13.619" v="369" actId="20577"/>
+          <ac:spMkLst>
+            <pc:docMk/>
+            <pc:sldMk cId="1054303933" sldId="331"/>
+            <ac:spMk id="15" creationId="{DED6A685-D545-8F4D-AC27-2371388F7C52}"/>
+          </ac:spMkLst>
+        </pc:spChg>
+      </pc:sldChg>
+    </pc:docChg>
+  </pc:docChgLst>
+  <pc:docChgLst>
+    <pc:chgData name="John Berner" userId="f379202f-6e39-48b5-8429-00f5d5d5b8e0" providerId="ADAL" clId="{91D96A2D-37B8-4CD9-973D-67B1D3619DA1}"/>
+    <pc:docChg chg="custSel delSld modSld">
+      <pc:chgData name="John Berner" userId="f379202f-6e39-48b5-8429-00f5d5d5b8e0" providerId="ADAL" clId="{91D96A2D-37B8-4CD9-973D-67B1D3619DA1}" dt="2024-02-22T17:36:58.402" v="1002" actId="47"/>
+      <pc:docMkLst>
+        <pc:docMk/>
+      </pc:docMkLst>
+      <pc:sldChg chg="del">
+        <pc:chgData name="John Berner" userId="f379202f-6e39-48b5-8429-00f5d5d5b8e0" providerId="ADAL" clId="{91D96A2D-37B8-4CD9-973D-67B1D3619DA1}" dt="2024-02-22T17:36:58.402" v="1002" actId="47"/>
+        <pc:sldMkLst>
+          <pc:docMk/>
+          <pc:sldMk cId="3166837950" sldId="330"/>
+        </pc:sldMkLst>
+      </pc:sldChg>
+      <pc:sldChg chg="addSp delSp modSp mod">
+        <pc:chgData name="John Berner" userId="f379202f-6e39-48b5-8429-00f5d5d5b8e0" providerId="ADAL" clId="{91D96A2D-37B8-4CD9-973D-67B1D3619DA1}" dt="2024-02-22T17:36:43.465" v="1001" actId="1038"/>
+        <pc:sldMkLst>
+          <pc:docMk/>
+          <pc:sldMk cId="1054303933" sldId="331"/>
+        </pc:sldMkLst>
+        <pc:spChg chg="add del mod">
+          <ac:chgData name="John Berner" userId="f379202f-6e39-48b5-8429-00f5d5d5b8e0" providerId="ADAL" clId="{91D96A2D-37B8-4CD9-973D-67B1D3619DA1}" dt="2024-02-22T17:16:03.897" v="433" actId="478"/>
+          <ac:spMkLst>
+            <pc:docMk/>
+            <pc:sldMk cId="1054303933" sldId="331"/>
+            <ac:spMk id="3" creationId="{EAEBE4CB-C810-A91E-EBC5-B561D506E363}"/>
+          </ac:spMkLst>
+        </pc:spChg>
+        <pc:spChg chg="del">
+          <ac:chgData name="John Berner" userId="f379202f-6e39-48b5-8429-00f5d5d5b8e0" providerId="ADAL" clId="{91D96A2D-37B8-4CD9-973D-67B1D3619DA1}" dt="2024-02-22T17:16:01.023" v="432" actId="478"/>
+          <ac:spMkLst>
+            <pc:docMk/>
+            <pc:sldMk cId="1054303933" sldId="331"/>
+            <ac:spMk id="4" creationId="{33CD3055-9833-0A47-9D29-83EC43BA9EDA}"/>
+          </ac:spMkLst>
+        </pc:spChg>
+        <pc:spChg chg="mod">
+          <ac:chgData name="John Berner" userId="f379202f-6e39-48b5-8429-00f5d5d5b8e0" providerId="ADAL" clId="{91D96A2D-37B8-4CD9-973D-67B1D3619DA1}" dt="2024-02-22T17:36:43.465" v="1001" actId="1038"/>
+          <ac:spMkLst>
+            <pc:docMk/>
+            <pc:sldMk cId="1054303933" sldId="331"/>
+            <ac:spMk id="5" creationId="{1CCF5726-D4B3-7D4B-BEE7-A69AFEF52254}"/>
+          </ac:spMkLst>
+        </pc:spChg>
+        <pc:spChg chg="mod">
+          <ac:chgData name="John Berner" userId="f379202f-6e39-48b5-8429-00f5d5d5b8e0" providerId="ADAL" clId="{91D96A2D-37B8-4CD9-973D-67B1D3619DA1}" dt="2024-02-22T17:36:43.465" v="1001" actId="1038"/>
+          <ac:spMkLst>
+            <pc:docMk/>
+            <pc:sldMk cId="1054303933" sldId="331"/>
+            <ac:spMk id="6" creationId="{5531AAA7-4F31-AC4A-8530-A816D1CCED36}"/>
+          </ac:spMkLst>
+        </pc:spChg>
+        <pc:spChg chg="mod">
+          <ac:chgData name="John Berner" userId="f379202f-6e39-48b5-8429-00f5d5d5b8e0" providerId="ADAL" clId="{91D96A2D-37B8-4CD9-973D-67B1D3619DA1}" dt="2024-02-22T17:36:43.465" v="1001" actId="1038"/>
+          <ac:spMkLst>
+            <pc:docMk/>
+            <pc:sldMk cId="1054303933" sldId="331"/>
+            <ac:spMk id="7" creationId="{E42B9FB0-166D-4B4C-BBA2-90484D3FCF85}"/>
+          </ac:spMkLst>
+        </pc:spChg>
+        <pc:spChg chg="mod">
+          <ac:chgData name="John Berner" userId="f379202f-6e39-48b5-8429-00f5d5d5b8e0" providerId="ADAL" clId="{91D96A2D-37B8-4CD9-973D-67B1D3619DA1}" dt="2024-02-22T17:36:43.465" v="1001" actId="1038"/>
+          <ac:spMkLst>
+            <pc:docMk/>
+            <pc:sldMk cId="1054303933" sldId="331"/>
+            <ac:spMk id="9" creationId="{B4B544BA-1A46-FF4A-93F5-807A34C106D0}"/>
+          </ac:spMkLst>
+        </pc:spChg>
+        <pc:spChg chg="mod">
+          <ac:chgData name="John Berner" userId="f379202f-6e39-48b5-8429-00f5d5d5b8e0" providerId="ADAL" clId="{91D96A2D-37B8-4CD9-973D-67B1D3619DA1}" dt="2024-02-22T17:36:43.465" v="1001" actId="1038"/>
+          <ac:spMkLst>
+            <pc:docMk/>
+            <pc:sldMk cId="1054303933" sldId="331"/>
+            <ac:spMk id="10" creationId="{BEEF7052-675E-2444-A613-1BF3151FEE35}"/>
+          </ac:spMkLst>
+        </pc:spChg>
+        <pc:spChg chg="mod">
+          <ac:chgData name="John Berner" userId="f379202f-6e39-48b5-8429-00f5d5d5b8e0" providerId="ADAL" clId="{91D96A2D-37B8-4CD9-973D-67B1D3619DA1}" dt="2024-02-22T17:36:43.465" v="1001" actId="1038"/>
+          <ac:spMkLst>
+            <pc:docMk/>
+            <pc:sldMk cId="1054303933" sldId="331"/>
+            <ac:spMk id="11" creationId="{22654A93-A547-CC4A-A647-D248988E4B9D}"/>
+          </ac:spMkLst>
+        </pc:spChg>
+        <pc:spChg chg="mod">
+          <ac:chgData name="John Berner" userId="f379202f-6e39-48b5-8429-00f5d5d5b8e0" providerId="ADAL" clId="{91D96A2D-37B8-4CD9-973D-67B1D3619DA1}" dt="2024-02-22T17:36:43.465" v="1001" actId="1038"/>
+          <ac:spMkLst>
+            <pc:docMk/>
+            <pc:sldMk cId="1054303933" sldId="331"/>
+            <ac:spMk id="12" creationId="{3C7749A8-13C3-1C42-81F1-31DB1129A80B}"/>
+          </ac:spMkLst>
+        </pc:spChg>
+        <pc:spChg chg="mod">
+          <ac:chgData name="John Berner" userId="f379202f-6e39-48b5-8429-00f5d5d5b8e0" providerId="ADAL" clId="{91D96A2D-37B8-4CD9-973D-67B1D3619DA1}" dt="2024-02-22T17:36:43.465" v="1001" actId="1038"/>
+          <ac:spMkLst>
+            <pc:docMk/>
+            <pc:sldMk cId="1054303933" sldId="331"/>
+            <ac:spMk id="13" creationId="{3580029B-9BE9-1641-ADD3-B52212B01C42}"/>
+          </ac:spMkLst>
+        </pc:spChg>
+        <pc:spChg chg="mod">
+          <ac:chgData name="John Berner" userId="f379202f-6e39-48b5-8429-00f5d5d5b8e0" providerId="ADAL" clId="{91D96A2D-37B8-4CD9-973D-67B1D3619DA1}" dt="2024-02-22T17:32:52.641" v="936" actId="14100"/>
+          <ac:spMkLst>
+            <pc:docMk/>
+            <pc:sldMk cId="1054303933" sldId="331"/>
+            <ac:spMk id="14" creationId="{CA69EBEB-90B8-F044-B34A-AD35735C795F}"/>
+          </ac:spMkLst>
+        </pc:spChg>
+        <pc:spChg chg="mod">
+          <ac:chgData name="John Berner" userId="f379202f-6e39-48b5-8429-00f5d5d5b8e0" providerId="ADAL" clId="{91D96A2D-37B8-4CD9-973D-67B1D3619DA1}" dt="2024-02-22T17:25:53.079" v="800" actId="20577"/>
+          <ac:spMkLst>
+            <pc:docMk/>
+            <pc:sldMk cId="1054303933" sldId="331"/>
+            <ac:spMk id="15" creationId="{DED6A685-D545-8F4D-AC27-2371388F7C52}"/>
+          </ac:spMkLst>
+        </pc:spChg>
+        <pc:spChg chg="mod">
+          <ac:chgData name="John Berner" userId="f379202f-6e39-48b5-8429-00f5d5d5b8e0" providerId="ADAL" clId="{91D96A2D-37B8-4CD9-973D-67B1D3619DA1}" dt="2024-02-22T17:36:43.465" v="1001" actId="1038"/>
+          <ac:spMkLst>
+            <pc:docMk/>
+            <pc:sldMk cId="1054303933" sldId="331"/>
+            <ac:spMk id="16" creationId="{419B1884-F54B-894F-B8EA-8E5EE6982352}"/>
+          </ac:spMkLst>
+        </pc:spChg>
+        <pc:spChg chg="mod">
+          <ac:chgData name="John Berner" userId="f379202f-6e39-48b5-8429-00f5d5d5b8e0" providerId="ADAL" clId="{91D96A2D-37B8-4CD9-973D-67B1D3619DA1}" dt="2024-02-22T17:36:43.465" v="1001" actId="1038"/>
+          <ac:spMkLst>
+            <pc:docMk/>
+            <pc:sldMk cId="1054303933" sldId="331"/>
+            <ac:spMk id="17" creationId="{369B523C-6971-024F-BF19-A7B40DEE58AC}"/>
+          </ac:spMkLst>
+        </pc:spChg>
+        <pc:spChg chg="mod">
+          <ac:chgData name="John Berner" userId="f379202f-6e39-48b5-8429-00f5d5d5b8e0" providerId="ADAL" clId="{91D96A2D-37B8-4CD9-973D-67B1D3619DA1}" dt="2024-02-22T17:36:43.465" v="1001" actId="1038"/>
+          <ac:spMkLst>
+            <pc:docMk/>
+            <pc:sldMk cId="1054303933" sldId="331"/>
+            <ac:spMk id="18" creationId="{4E414C81-A2D0-A647-8E8D-D775471A6A5C}"/>
+          </ac:spMkLst>
+        </pc:spChg>
+        <pc:spChg chg="mod">
+          <ac:chgData name="John Berner" userId="f379202f-6e39-48b5-8429-00f5d5d5b8e0" providerId="ADAL" clId="{91D96A2D-37B8-4CD9-973D-67B1D3619DA1}" dt="2024-02-22T17:17:12.558" v="470" actId="1076"/>
+          <ac:spMkLst>
+            <pc:docMk/>
+            <pc:sldMk cId="1054303933" sldId="331"/>
+            <ac:spMk id="19" creationId="{E4A925EA-D32D-8143-AE62-AE5A94FD3B08}"/>
+          </ac:spMkLst>
+        </pc:spChg>
+        <pc:spChg chg="add mod">
+          <ac:chgData name="John Berner" userId="f379202f-6e39-48b5-8429-00f5d5d5b8e0" providerId="ADAL" clId="{91D96A2D-37B8-4CD9-973D-67B1D3619DA1}" dt="2024-02-22T17:16:13.109" v="434"/>
+          <ac:spMkLst>
+            <pc:docMk/>
+            <pc:sldMk cId="1054303933" sldId="331"/>
+            <ac:spMk id="20" creationId="{CD8C5F9C-28C2-6E3F-7C57-A3030FAEEF8C}"/>
+          </ac:spMkLst>
+        </pc:spChg>
+      </pc:sldChg>
+    </pc:docChg>
+  </pc:docChgLst>
+  <pc:docChgLst>
+    <pc:chgData name="Stone, Thomas (LCDR)" userId="S::thomas.stone@nps.edu::f757e949-6eb3-443b-82aa-56398b165ae2" providerId="AD" clId="Web-{B38AD4CB-6E3B-48F3-8630-FADFD9ADBA1D}"/>
+    <pc:docChg chg="modSld">
+      <pc:chgData name="Stone, Thomas (LCDR)" userId="S::thomas.stone@nps.edu::f757e949-6eb3-443b-82aa-56398b165ae2" providerId="AD" clId="Web-{B38AD4CB-6E3B-48F3-8630-FADFD9ADBA1D}" dt="2024-02-22T17:29:56.503" v="98" actId="20577"/>
+      <pc:docMkLst>
+        <pc:docMk/>
+      </pc:docMkLst>
+      <pc:sldChg chg="modSp">
+        <pc:chgData name="Stone, Thomas (LCDR)" userId="S::thomas.stone@nps.edu::f757e949-6eb3-443b-82aa-56398b165ae2" providerId="AD" clId="Web-{B38AD4CB-6E3B-48F3-8630-FADFD9ADBA1D}" dt="2024-02-22T17:29:56.503" v="98" actId="20577"/>
+        <pc:sldMkLst>
+          <pc:docMk/>
+          <pc:sldMk cId="1054303933" sldId="331"/>
+        </pc:sldMkLst>
+        <pc:spChg chg="mod">
+          <ac:chgData name="Stone, Thomas (LCDR)" userId="S::thomas.stone@nps.edu::f757e949-6eb3-443b-82aa-56398b165ae2" providerId="AD" clId="Web-{B38AD4CB-6E3B-48F3-8630-FADFD9ADBA1D}" dt="2024-02-22T17:29:56.503" v="98" actId="20577"/>
+          <ac:spMkLst>
+            <pc:docMk/>
+            <pc:sldMk cId="1054303933" sldId="331"/>
+            <ac:spMk id="15" creationId="{DED6A685-D545-8F4D-AC27-2371388F7C52}"/>
+          </ac:spMkLst>
+        </pc:spChg>
+      </pc:sldChg>
+    </pc:docChg>
+  </pc:docChgLst>
+  <pc:docChgLst>
+    <pc:chgData name="Urban, Conrad (FORNATL, GY)" userId="S::conrad.urban.gy@nps.edu::1c69ff96-4614-4980-88dd-454a03b7a553" providerId="AD" clId="Web-{F34360A6-AEFA-0924-D928-F6526972A985}"/>
+    <pc:docChg chg="modSld">
+      <pc:chgData name="Urban, Conrad (FORNATL, GY)" userId="S::conrad.urban.gy@nps.edu::1c69ff96-4614-4980-88dd-454a03b7a553" providerId="AD" clId="Web-{F34360A6-AEFA-0924-D928-F6526972A985}" dt="2024-02-21T03:38:56.803" v="48" actId="20577"/>
+      <pc:docMkLst>
+        <pc:docMk/>
+      </pc:docMkLst>
+      <pc:sldChg chg="modSp">
+        <pc:chgData name="Urban, Conrad (FORNATL, GY)" userId="S::conrad.urban.gy@nps.edu::1c69ff96-4614-4980-88dd-454a03b7a553" providerId="AD" clId="Web-{F34360A6-AEFA-0924-D928-F6526972A985}" dt="2024-02-21T03:38:56.803" v="48" actId="20577"/>
+        <pc:sldMkLst>
+          <pc:docMk/>
+          <pc:sldMk cId="3166837950" sldId="330"/>
+        </pc:sldMkLst>
+        <pc:spChg chg="mod">
+          <ac:chgData name="Urban, Conrad (FORNATL, GY)" userId="S::conrad.urban.gy@nps.edu::1c69ff96-4614-4980-88dd-454a03b7a553" providerId="AD" clId="Web-{F34360A6-AEFA-0924-D928-F6526972A985}" dt="2024-02-21T03:23:48.391" v="36" actId="20577"/>
+          <ac:spMkLst>
+            <pc:docMk/>
+            <pc:sldMk cId="3166837950" sldId="330"/>
+            <ac:spMk id="15" creationId="{DED6A685-D545-8F4D-AC27-2371388F7C52}"/>
+          </ac:spMkLst>
+        </pc:spChg>
+        <pc:spChg chg="mod">
+          <ac:chgData name="Urban, Conrad (FORNATL, GY)" userId="S::conrad.urban.gy@nps.edu::1c69ff96-4614-4980-88dd-454a03b7a553" providerId="AD" clId="Web-{F34360A6-AEFA-0924-D928-F6526972A985}" dt="2024-02-21T03:38:56.803" v="48" actId="20577"/>
+          <ac:spMkLst>
+            <pc:docMk/>
+            <pc:sldMk cId="3166837950" sldId="330"/>
+            <ac:spMk id="16" creationId="{419B1884-F54B-894F-B8EA-8E5EE6982352}"/>
           </ac:spMkLst>
         </pc:spChg>
       </pc:sldChg>
@@ -3913,53 +4259,6 @@
       </p:grpSpPr>
       <p:sp>
         <p:nvSpPr>
-          <p:cNvPr id="4" name="Title 3">
-            <a:extLst>
-              <a:ext uri="{FF2B5EF4-FFF2-40B4-BE49-F238E27FC236}">
-                <a16:creationId xmlns:a16="http://schemas.microsoft.com/office/drawing/2014/main" id="{33CD3055-9833-0A47-9D29-83EC43BA9EDA}"/>
-              </a:ext>
-            </a:extLst>
-          </p:cNvPr>
-          <p:cNvSpPr>
-            <a:spLocks noGrp="1"/>
-          </p:cNvSpPr>
-          <p:nvPr>
-            <p:ph type="title"/>
-          </p:nvPr>
-        </p:nvSpPr>
-        <p:spPr>
-          <a:ln>
-            <a:solidFill>
-              <a:schemeClr val="tx1"/>
-            </a:solidFill>
-          </a:ln>
-        </p:spPr>
-        <p:txBody>
-          <a:bodyPr/>
-          <a:lstStyle/>
-          <a:p>
-            <a:pPr algn="l"/>
-            <a:r>
-              <a:rPr lang="en-US" sz="1200" dirty="0"/>
-              <a:t>Project Team Members: Brenner, John - Stone, Thomas - Urban, Conrad</a:t>
-            </a:r>
-            <a:br>
-              <a:rPr lang="en-US" sz="1200" dirty="0"/>
-            </a:br>
-            <a:r>
-              <a:rPr lang="en-US" sz="1200" dirty="0"/>
-              <a:t>Project Title (tentative): </a:t>
-            </a:r>
-            <a:r>
-              <a:rPr lang="en-US" sz="1200" dirty="0" err="1"/>
-              <a:t>HarborTide</a:t>
-            </a:r>
-            <a:endParaRPr lang="en-US" sz="1200" dirty="0"/>
-          </a:p>
-        </p:txBody>
-      </p:sp>
-      <p:sp>
-        <p:nvSpPr>
           <p:cNvPr id="5" name="TextBox 4">
             <a:extLst>
               <a:ext uri="{FF2B5EF4-FFF2-40B4-BE49-F238E27FC236}">
@@ -3972,8 +4271,8 @@
         </p:nvSpPr>
         <p:spPr>
           <a:xfrm>
-            <a:off x="924063" y="2108127"/>
-            <a:ext cx="1211164" cy="307777"/>
+            <a:off x="636912" y="2324272"/>
+            <a:ext cx="1651351" cy="400110"/>
           </a:xfrm>
           <a:prstGeom prst="rect">
             <a:avLst/>
@@ -3981,14 +4280,14 @@
           <a:noFill/>
         </p:spPr>
         <p:txBody>
-          <a:bodyPr wrap="none" rtlCol="0">
+          <a:bodyPr wrap="square" rtlCol="0">
             <a:spAutoFit/>
           </a:bodyPr>
           <a:lstStyle/>
           <a:p>
             <a:pPr algn="ctr"/>
             <a:r>
-              <a:rPr lang="en-US" sz="1400" b="1" dirty="0">
+              <a:rPr lang="en-US" sz="2000" b="1">
                 <a:latin typeface="+mn-lt"/>
               </a:rPr>
               <a:t>Data Curation</a:t>
@@ -4010,8 +4309,8 @@
         </p:nvSpPr>
         <p:spPr>
           <a:xfrm>
-            <a:off x="3991649" y="2122693"/>
-            <a:ext cx="1160702" cy="307777"/>
+            <a:off x="3715335" y="2338838"/>
+            <a:ext cx="1579215" cy="400110"/>
           </a:xfrm>
           <a:prstGeom prst="rect">
             <a:avLst/>
@@ -4019,14 +4318,14 @@
           <a:noFill/>
         </p:spPr>
         <p:txBody>
-          <a:bodyPr wrap="none" rtlCol="0">
+          <a:bodyPr wrap="square" rtlCol="0">
             <a:spAutoFit/>
           </a:bodyPr>
           <a:lstStyle/>
           <a:p>
             <a:pPr algn="ctr"/>
             <a:r>
-              <a:rPr lang="en-US" sz="1400" b="1" dirty="0">
+              <a:rPr lang="en-US" sz="2000" b="1">
                 <a:latin typeface="+mn-lt"/>
               </a:rPr>
               <a:t>Computation</a:t>
@@ -4048,8 +4347,8 @@
         </p:nvSpPr>
         <p:spPr>
           <a:xfrm>
-            <a:off x="7395604" y="2122693"/>
-            <a:ext cx="720647" cy="307777"/>
+            <a:off x="7196037" y="2338838"/>
+            <a:ext cx="948722" cy="400110"/>
           </a:xfrm>
           <a:prstGeom prst="rect">
             <a:avLst/>
@@ -4057,14 +4356,14 @@
           <a:noFill/>
         </p:spPr>
         <p:txBody>
-          <a:bodyPr wrap="none" rtlCol="0">
+          <a:bodyPr wrap="square" rtlCol="0">
             <a:spAutoFit/>
           </a:bodyPr>
           <a:lstStyle/>
           <a:p>
             <a:pPr algn="ctr"/>
             <a:r>
-              <a:rPr lang="en-US" sz="1400" b="1" dirty="0">
+              <a:rPr lang="en-US" sz="2000" b="1">
                 <a:latin typeface="+mn-lt"/>
               </a:rPr>
               <a:t>Results</a:t>
@@ -4086,8 +4385,8 @@
         </p:nvSpPr>
         <p:spPr>
           <a:xfrm>
-            <a:off x="3716479" y="625435"/>
-            <a:ext cx="1711046" cy="307777"/>
+            <a:off x="3390911" y="653624"/>
+            <a:ext cx="2362185" cy="400110"/>
           </a:xfrm>
           <a:prstGeom prst="rect">
             <a:avLst/>
@@ -4110,7 +4409,7 @@
           </a:lstStyle>
           <a:p>
             <a:r>
-              <a:rPr lang="en-US" sz="1400" dirty="0"/>
+              <a:rPr lang="en-US"/>
               <a:t>Problem Description</a:t>
             </a:r>
           </a:p>
@@ -4118,10 +4417,10 @@
       </p:sp>
       <p:sp>
         <p:nvSpPr>
-          <p:cNvPr id="12" name="Right Arrow 11">
+          <p:cNvPr id="9" name="Rectangle 8">
             <a:extLst>
               <a:ext uri="{FF2B5EF4-FFF2-40B4-BE49-F238E27FC236}">
-                <a16:creationId xmlns:a16="http://schemas.microsoft.com/office/drawing/2014/main" id="{3C7749A8-13C3-1C42-81F1-31DB1129A80B}"/>
+                <a16:creationId xmlns:a16="http://schemas.microsoft.com/office/drawing/2014/main" id="{B4B544BA-1A46-FF4A-93F5-807A34C106D0}"/>
               </a:ext>
             </a:extLst>
           </p:cNvPr>
@@ -4130,12 +4429,17 @@
         </p:nvSpPr>
         <p:spPr>
           <a:xfrm>
-            <a:off x="2882180" y="3685501"/>
-            <a:ext cx="460860" cy="1113745"/>
+            <a:off x="280392" y="2738948"/>
+            <a:ext cx="2496325" cy="2995590"/>
           </a:xfrm>
-          <a:prstGeom prst="rightArrow">
+          <a:prstGeom prst="rect">
             <a:avLst/>
           </a:prstGeom>
+          <a:solidFill>
+            <a:schemeClr val="bg1">
+              <a:lumMod val="95000"/>
+            </a:schemeClr>
+          </a:solidFill>
         </p:spPr>
         <p:style>
           <a:lnRef idx="2">
@@ -4164,10 +4468,10 @@
       </p:sp>
       <p:sp>
         <p:nvSpPr>
-          <p:cNvPr id="13" name="Right Arrow 12">
+          <p:cNvPr id="10" name="Rectangle 9">
             <a:extLst>
               <a:ext uri="{FF2B5EF4-FFF2-40B4-BE49-F238E27FC236}">
-                <a16:creationId xmlns:a16="http://schemas.microsoft.com/office/drawing/2014/main" id="{3580029B-9BE9-1641-ADD3-B52212B01C42}"/>
+                <a16:creationId xmlns:a16="http://schemas.microsoft.com/office/drawing/2014/main" id="{BEEF7052-675E-2444-A613-1BF3151FEE35}"/>
               </a:ext>
             </a:extLst>
           </p:cNvPr>
@@ -4176,12 +4480,17 @@
         </p:nvSpPr>
         <p:spPr>
           <a:xfrm>
-            <a:off x="5916175" y="3666298"/>
-            <a:ext cx="460860" cy="1113745"/>
+            <a:off x="3314387" y="2751282"/>
+            <a:ext cx="2496325" cy="2995590"/>
           </a:xfrm>
-          <a:prstGeom prst="rightArrow">
+          <a:prstGeom prst="rect">
             <a:avLst/>
           </a:prstGeom>
+          <a:solidFill>
+            <a:schemeClr val="bg1">
+              <a:lumMod val="95000"/>
+            </a:schemeClr>
+          </a:solidFill>
         </p:spPr>
         <p:style>
           <a:lnRef idx="2">
@@ -4210,20 +4519,20 @@
       </p:sp>
       <p:sp>
         <p:nvSpPr>
-          <p:cNvPr id="15" name="TextBox 14">
+          <p:cNvPr id="11" name="Rectangle 10">
             <a:extLst>
               <a:ext uri="{FF2B5EF4-FFF2-40B4-BE49-F238E27FC236}">
-                <a16:creationId xmlns:a16="http://schemas.microsoft.com/office/drawing/2014/main" id="{DED6A685-D545-8F4D-AC27-2371388F7C52}"/>
+                <a16:creationId xmlns:a16="http://schemas.microsoft.com/office/drawing/2014/main" id="{22654A93-A547-CC4A-A647-D248988E4B9D}"/>
               </a:ext>
             </a:extLst>
           </p:cNvPr>
-          <p:cNvSpPr txBox="1"/>
+          <p:cNvSpPr/>
           <p:nvPr/>
         </p:nvSpPr>
         <p:spPr>
           <a:xfrm>
-            <a:off x="403932" y="932675"/>
-            <a:ext cx="8489756" cy="1113745"/>
+            <a:off x="6353452" y="2738948"/>
+            <a:ext cx="2496325" cy="2995590"/>
           </a:xfrm>
           <a:prstGeom prst="rect">
             <a:avLst/>
@@ -4251,7 +4560,627 @@
           </a:fontRef>
         </p:style>
         <p:txBody>
-          <a:bodyPr rtlCol="0" anchor="t"/>
+          <a:bodyPr rtlCol="0" anchor="ctr"/>
+          <a:lstStyle/>
+          <a:p>
+            <a:pPr algn="ctr"/>
+            <a:endParaRPr lang="en-US"/>
+          </a:p>
+        </p:txBody>
+      </p:sp>
+      <p:sp>
+        <p:nvSpPr>
+          <p:cNvPr id="12" name="Right Arrow 11">
+            <a:extLst>
+              <a:ext uri="{FF2B5EF4-FFF2-40B4-BE49-F238E27FC236}">
+                <a16:creationId xmlns:a16="http://schemas.microsoft.com/office/drawing/2014/main" id="{3C7749A8-13C3-1C42-81F1-31DB1129A80B}"/>
+              </a:ext>
+            </a:extLst>
+          </p:cNvPr>
+          <p:cNvSpPr/>
+          <p:nvPr/>
+        </p:nvSpPr>
+        <p:spPr>
+          <a:xfrm>
+            <a:off x="2815122" y="3699073"/>
+            <a:ext cx="460860" cy="1113745"/>
+          </a:xfrm>
+          <a:prstGeom prst="rightArrow">
+            <a:avLst/>
+          </a:prstGeom>
+        </p:spPr>
+        <p:style>
+          <a:lnRef idx="2">
+            <a:schemeClr val="accent1">
+              <a:shade val="50000"/>
+            </a:schemeClr>
+          </a:lnRef>
+          <a:fillRef idx="1">
+            <a:schemeClr val="accent1"/>
+          </a:fillRef>
+          <a:effectRef idx="0">
+            <a:schemeClr val="accent1"/>
+          </a:effectRef>
+          <a:fontRef idx="minor">
+            <a:schemeClr val="lt1"/>
+          </a:fontRef>
+        </p:style>
+        <p:txBody>
+          <a:bodyPr rtlCol="0" anchor="ctr"/>
+          <a:lstStyle/>
+          <a:p>
+            <a:pPr algn="ctr"/>
+            <a:endParaRPr lang="en-US"/>
+          </a:p>
+        </p:txBody>
+      </p:sp>
+      <p:sp>
+        <p:nvSpPr>
+          <p:cNvPr id="13" name="Right Arrow 12">
+            <a:extLst>
+              <a:ext uri="{FF2B5EF4-FFF2-40B4-BE49-F238E27FC236}">
+                <a16:creationId xmlns:a16="http://schemas.microsoft.com/office/drawing/2014/main" id="{3580029B-9BE9-1641-ADD3-B52212B01C42}"/>
+              </a:ext>
+            </a:extLst>
+          </p:cNvPr>
+          <p:cNvSpPr/>
+          <p:nvPr/>
+        </p:nvSpPr>
+        <p:spPr>
+          <a:xfrm>
+            <a:off x="5849117" y="3679870"/>
+            <a:ext cx="460860" cy="1113745"/>
+          </a:xfrm>
+          <a:prstGeom prst="rightArrow">
+            <a:avLst/>
+          </a:prstGeom>
+        </p:spPr>
+        <p:style>
+          <a:lnRef idx="2">
+            <a:schemeClr val="accent1">
+              <a:shade val="50000"/>
+            </a:schemeClr>
+          </a:lnRef>
+          <a:fillRef idx="1">
+            <a:schemeClr val="accent1"/>
+          </a:fillRef>
+          <a:effectRef idx="0">
+            <a:schemeClr val="accent1"/>
+          </a:effectRef>
+          <a:fontRef idx="minor">
+            <a:schemeClr val="lt1"/>
+          </a:fontRef>
+        </p:style>
+        <p:txBody>
+          <a:bodyPr rtlCol="0" anchor="ctr"/>
+          <a:lstStyle/>
+          <a:p>
+            <a:pPr algn="ctr"/>
+            <a:endParaRPr lang="en-US"/>
+          </a:p>
+        </p:txBody>
+      </p:sp>
+      <p:sp>
+        <p:nvSpPr>
+          <p:cNvPr id="14" name="Rectangle 13">
+            <a:extLst>
+              <a:ext uri="{FF2B5EF4-FFF2-40B4-BE49-F238E27FC236}">
+                <a16:creationId xmlns:a16="http://schemas.microsoft.com/office/drawing/2014/main" id="{CA69EBEB-90B8-F044-B34A-AD35735C795F}"/>
+              </a:ext>
+            </a:extLst>
+          </p:cNvPr>
+          <p:cNvSpPr/>
+          <p:nvPr/>
+        </p:nvSpPr>
+        <p:spPr>
+          <a:xfrm>
+            <a:off x="772592" y="1056206"/>
+            <a:ext cx="7598815" cy="1063730"/>
+          </a:xfrm>
+          <a:prstGeom prst="rect">
+            <a:avLst/>
+          </a:prstGeom>
+          <a:solidFill>
+            <a:schemeClr val="bg1">
+              <a:lumMod val="95000"/>
+            </a:schemeClr>
+          </a:solidFill>
+        </p:spPr>
+        <p:style>
+          <a:lnRef idx="2">
+            <a:schemeClr val="accent1">
+              <a:shade val="50000"/>
+            </a:schemeClr>
+          </a:lnRef>
+          <a:fillRef idx="1">
+            <a:schemeClr val="accent1"/>
+          </a:fillRef>
+          <a:effectRef idx="0">
+            <a:schemeClr val="accent1"/>
+          </a:effectRef>
+          <a:fontRef idx="minor">
+            <a:schemeClr val="lt1"/>
+          </a:fontRef>
+        </p:style>
+        <p:txBody>
+          <a:bodyPr rtlCol="0" anchor="ctr"/>
+          <a:lstStyle/>
+          <a:p>
+            <a:pPr algn="ctr"/>
+            <a:endParaRPr lang="en-US"/>
+          </a:p>
+        </p:txBody>
+      </p:sp>
+      <p:sp>
+        <p:nvSpPr>
+          <p:cNvPr id="15" name="TextBox 14">
+            <a:extLst>
+              <a:ext uri="{FF2B5EF4-FFF2-40B4-BE49-F238E27FC236}">
+                <a16:creationId xmlns:a16="http://schemas.microsoft.com/office/drawing/2014/main" id="{DED6A685-D545-8F4D-AC27-2371388F7C52}"/>
+              </a:ext>
+            </a:extLst>
+          </p:cNvPr>
+          <p:cNvSpPr txBox="1"/>
+          <p:nvPr/>
+        </p:nvSpPr>
+        <p:spPr>
+          <a:xfrm>
+            <a:off x="772592" y="1089360"/>
+            <a:ext cx="7598815" cy="938719"/>
+          </a:xfrm>
+          <a:prstGeom prst="rect">
+            <a:avLst/>
+          </a:prstGeom>
+          <a:noFill/>
+        </p:spPr>
+        <p:txBody>
+          <a:bodyPr wrap="square" lIns="91440" tIns="45720" rIns="91440" bIns="45720" rtlCol="0" anchor="t">
+            <a:spAutoFit/>
+          </a:bodyPr>
+          <a:lstStyle/>
+          <a:p>
+            <a:pPr marL="234950" indent="-234950">
+              <a:buFont typeface="Arial" panose="020B0604020202020204" pitchFamily="34" charset="0"/>
+              <a:buChar char="•"/>
+            </a:pPr>
+            <a:r>
+              <a:rPr lang="en-US" sz="1100">
+                <a:latin typeface="+mn-lt"/>
+              </a:rPr>
+              <a:t>In 2022, the Secretary of the Navy issued guidance for climate action in the Department of the Navy via </a:t>
+            </a:r>
+            <a:r>
+              <a:rPr lang="en-US" sz="1100" i="1">
+                <a:latin typeface="+mn-lt"/>
+              </a:rPr>
+              <a:t>Climate Action 2030.</a:t>
+            </a:r>
+            <a:endParaRPr lang="en-US" sz="1100">
+              <a:latin typeface="Calibri"/>
+              <a:ea typeface="Calibri"/>
+              <a:cs typeface="Calibri"/>
+            </a:endParaRPr>
+          </a:p>
+          <a:p>
+            <a:pPr marL="234950" indent="-234950">
+              <a:buFont typeface="Arial" panose="020B0604020202020204" pitchFamily="34" charset="0"/>
+              <a:buChar char="•"/>
+            </a:pPr>
+            <a:r>
+              <a:rPr lang="en-US" sz="1100">
+                <a:latin typeface="+mn-lt"/>
+              </a:rPr>
+              <a:t>Recognizing trends of climate change will aid in addressing threats climate change poses to the Navy and Marine Corps'  operational readiness.</a:t>
+            </a:r>
+            <a:endParaRPr lang="en-US" sz="1100">
+              <a:latin typeface="+mn-lt"/>
+              <a:ea typeface="Calibri"/>
+              <a:cs typeface="Calibri"/>
+            </a:endParaRPr>
+          </a:p>
+          <a:p>
+            <a:pPr marL="234950" indent="-234950">
+              <a:buFont typeface="Arial" panose="020B0604020202020204" pitchFamily="34" charset="0"/>
+              <a:buChar char="•"/>
+            </a:pPr>
+            <a:r>
+              <a:rPr lang="en-US" sz="1100">
+                <a:latin typeface="+mn-lt"/>
+              </a:rPr>
+              <a:t>Success is recognizing temporal climate change trends  and their impacts on coastal installations, leading to further research, investment, and decision-making to achieve SEVNAV's goal of "building a climate-ready force." </a:t>
+            </a:r>
+            <a:endParaRPr lang="en-US" sz="1100">
+              <a:latin typeface="+mn-lt"/>
+              <a:ea typeface="Calibri"/>
+              <a:cs typeface="Calibri"/>
+            </a:endParaRPr>
+          </a:p>
+        </p:txBody>
+      </p:sp>
+      <p:sp>
+        <p:nvSpPr>
+          <p:cNvPr id="16" name="TextBox 15">
+            <a:extLst>
+              <a:ext uri="{FF2B5EF4-FFF2-40B4-BE49-F238E27FC236}">
+                <a16:creationId xmlns:a16="http://schemas.microsoft.com/office/drawing/2014/main" id="{419B1884-F54B-894F-B8EA-8E5EE6982352}"/>
+              </a:ext>
+            </a:extLst>
+          </p:cNvPr>
+          <p:cNvSpPr txBox="1"/>
+          <p:nvPr/>
+        </p:nvSpPr>
+        <p:spPr>
+          <a:xfrm>
+            <a:off x="299930" y="2753444"/>
+            <a:ext cx="2401438" cy="2923877"/>
+          </a:xfrm>
+          <a:prstGeom prst="rect">
+            <a:avLst/>
+          </a:prstGeom>
+          <a:noFill/>
+        </p:spPr>
+        <p:txBody>
+          <a:bodyPr wrap="square" rtlCol="0">
+            <a:spAutoFit/>
+          </a:bodyPr>
+          <a:lstStyle/>
+          <a:p>
+            <a:pPr marL="122238" indent="-122238">
+              <a:buFont typeface="Arial" panose="020B0604020202020204" pitchFamily="34" charset="0"/>
+              <a:buChar char="•"/>
+            </a:pPr>
+            <a:r>
+              <a:rPr lang="en-US" sz="1150">
+                <a:latin typeface="+mn-lt"/>
+              </a:rPr>
+              <a:t>NOAA, NASA Earth Data</a:t>
+            </a:r>
+          </a:p>
+          <a:p>
+            <a:pPr marL="122238" indent="-122238">
+              <a:buFont typeface="Arial" panose="020B0604020202020204" pitchFamily="34" charset="0"/>
+              <a:buChar char="•"/>
+            </a:pPr>
+            <a:r>
+              <a:rPr lang="en-US" sz="1150">
+                <a:latin typeface="+mn-lt"/>
+              </a:rPr>
+              <a:t>Data has been collected in .csv format</a:t>
+            </a:r>
+          </a:p>
+          <a:p>
+            <a:pPr marL="122238" indent="-122238">
+              <a:buFont typeface="Arial" panose="020B0604020202020204" pitchFamily="34" charset="0"/>
+              <a:buChar char="•"/>
+            </a:pPr>
+            <a:r>
+              <a:rPr lang="en-US" sz="1150">
+                <a:latin typeface="+mn-lt"/>
+              </a:rPr>
+              <a:t>Data is curated from above  agencies’ satellite and sensors </a:t>
+            </a:r>
+          </a:p>
+          <a:p>
+            <a:pPr marL="122238" indent="-122238">
+              <a:buFont typeface="Arial" panose="020B0604020202020204" pitchFamily="34" charset="0"/>
+              <a:buChar char="•"/>
+            </a:pPr>
+            <a:r>
+              <a:rPr lang="en-US" sz="1150">
+                <a:latin typeface="+mn-lt"/>
+              </a:rPr>
+              <a:t>An immense amount of data is available from various open- sources. Part of the goal of this project is collecting and managing that data</a:t>
+            </a:r>
+          </a:p>
+          <a:p>
+            <a:pPr marL="122238" indent="-122238">
+              <a:buFont typeface="Arial" panose="020B0604020202020204" pitchFamily="34" charset="0"/>
+              <a:buChar char="•"/>
+            </a:pPr>
+            <a:r>
+              <a:rPr lang="en-US" sz="1150">
+                <a:latin typeface="+mn-lt"/>
+              </a:rPr>
+              <a:t>Downloaded as .csv files and read into Pandas data frames</a:t>
+            </a:r>
+          </a:p>
+          <a:p>
+            <a:pPr marL="122238" indent="-122238">
+              <a:buFont typeface="Arial" panose="020B0604020202020204" pitchFamily="34" charset="0"/>
+              <a:buChar char="•"/>
+            </a:pPr>
+            <a:r>
+              <a:rPr lang="en-US" sz="1150">
+                <a:latin typeface="+mn-lt"/>
+              </a:rPr>
+              <a:t>Preprocessing and data cleaning are anticipated to be minimal based on the data sources, but will be addressed if needed</a:t>
+            </a:r>
+          </a:p>
+        </p:txBody>
+      </p:sp>
+      <p:sp>
+        <p:nvSpPr>
+          <p:cNvPr id="17" name="TextBox 16">
+            <a:extLst>
+              <a:ext uri="{FF2B5EF4-FFF2-40B4-BE49-F238E27FC236}">
+                <a16:creationId xmlns:a16="http://schemas.microsoft.com/office/drawing/2014/main" id="{369B523C-6971-024F-BF19-A7B40DEE58AC}"/>
+              </a:ext>
+            </a:extLst>
+          </p:cNvPr>
+          <p:cNvSpPr txBox="1"/>
+          <p:nvPr/>
+        </p:nvSpPr>
+        <p:spPr>
+          <a:xfrm>
+            <a:off x="3307701" y="2771916"/>
+            <a:ext cx="2496325" cy="2677656"/>
+          </a:xfrm>
+          <a:prstGeom prst="rect">
+            <a:avLst/>
+          </a:prstGeom>
+          <a:noFill/>
+        </p:spPr>
+        <p:txBody>
+          <a:bodyPr wrap="square" rtlCol="0">
+            <a:spAutoFit/>
+          </a:bodyPr>
+          <a:lstStyle/>
+          <a:p>
+            <a:pPr marL="122238" indent="-122238">
+              <a:buFont typeface="Arial" panose="020B0604020202020204" pitchFamily="34" charset="0"/>
+              <a:buChar char="•"/>
+            </a:pPr>
+            <a:r>
+              <a:rPr lang="en-US" sz="1200">
+                <a:latin typeface="+mn-lt"/>
+              </a:rPr>
+              <a:t>Computation will be focused on finding statistical trends in the </a:t>
+            </a:r>
+            <a:r>
+              <a:rPr lang="en-US" sz="1200" err="1">
+                <a:latin typeface="+mn-lt"/>
+              </a:rPr>
+              <a:t>dataframes</a:t>
+            </a:r>
+            <a:r>
+              <a:rPr lang="en-US" sz="1200">
+                <a:latin typeface="+mn-lt"/>
+              </a:rPr>
+              <a:t> and analyzing impacts to coastal installations of choice</a:t>
+            </a:r>
+          </a:p>
+          <a:p>
+            <a:pPr marL="122238" indent="-122238">
+              <a:buFont typeface="Arial" panose="020B0604020202020204" pitchFamily="34" charset="0"/>
+              <a:buChar char="•"/>
+            </a:pPr>
+            <a:r>
+              <a:rPr lang="en-US" sz="1200">
+                <a:latin typeface="+mn-lt"/>
+              </a:rPr>
+              <a:t>Pandas </a:t>
+            </a:r>
+            <a:r>
+              <a:rPr lang="en-US" sz="1200" err="1">
+                <a:latin typeface="+mn-lt"/>
+              </a:rPr>
+              <a:t>DataFrames</a:t>
+            </a:r>
+            <a:endParaRPr lang="en-US" sz="1200">
+              <a:latin typeface="+mn-lt"/>
+            </a:endParaRPr>
+          </a:p>
+          <a:p>
+            <a:pPr marL="122238" indent="-122238">
+              <a:buFont typeface="Arial" panose="020B0604020202020204" pitchFamily="34" charset="0"/>
+              <a:buChar char="•"/>
+            </a:pPr>
+            <a:r>
+              <a:rPr lang="en-US" sz="1200">
+                <a:latin typeface="+mn-lt"/>
+              </a:rPr>
+              <a:t>NumPy, Pandas, SciPy, Seaborn, </a:t>
+            </a:r>
+            <a:r>
+              <a:rPr lang="en-US" sz="1200" err="1">
+                <a:latin typeface="+mn-lt"/>
+              </a:rPr>
+              <a:t>GeoPandas</a:t>
+            </a:r>
+            <a:endParaRPr lang="en-US" sz="1200">
+              <a:latin typeface="+mn-lt"/>
+            </a:endParaRPr>
+          </a:p>
+          <a:p>
+            <a:pPr marL="122238" indent="-122238">
+              <a:buFont typeface="Arial" panose="020B0604020202020204" pitchFamily="34" charset="0"/>
+              <a:buChar char="•"/>
+            </a:pPr>
+            <a:r>
+              <a:rPr lang="en-US" sz="1200">
+                <a:latin typeface="+mn-lt"/>
+              </a:rPr>
+              <a:t>Recurring code will be organized into functions to store the data and manipulate it into the desired structure</a:t>
+            </a:r>
+          </a:p>
+          <a:p>
+            <a:pPr marL="122238" indent="-122238">
+              <a:buFont typeface="Arial" panose="020B0604020202020204" pitchFamily="34" charset="0"/>
+              <a:buChar char="•"/>
+            </a:pPr>
+            <a:r>
+              <a:rPr lang="en-US" sz="1200">
+                <a:latin typeface="+mn-lt"/>
+              </a:rPr>
+              <a:t>Teams, GitHub</a:t>
+            </a:r>
+          </a:p>
+          <a:p>
+            <a:pPr marL="122238" indent="-122238">
+              <a:buFont typeface="Arial" panose="020B0604020202020204" pitchFamily="34" charset="0"/>
+              <a:buChar char="•"/>
+            </a:pPr>
+            <a:r>
+              <a:rPr lang="en-US" sz="1200">
+                <a:latin typeface="+mn-lt"/>
+              </a:rPr>
+              <a:t>Tables, Data visualizations with Seaborn or </a:t>
+            </a:r>
+            <a:r>
+              <a:rPr lang="en-US" sz="1200" err="1">
+                <a:latin typeface="+mn-lt"/>
+              </a:rPr>
+              <a:t>GeoPandas</a:t>
+            </a:r>
+            <a:r>
+              <a:rPr lang="en-US" sz="1200">
+                <a:latin typeface="+mn-lt"/>
+              </a:rPr>
+              <a:t> </a:t>
+            </a:r>
+          </a:p>
+        </p:txBody>
+      </p:sp>
+      <p:sp>
+        <p:nvSpPr>
+          <p:cNvPr id="18" name="TextBox 17">
+            <a:extLst>
+              <a:ext uri="{FF2B5EF4-FFF2-40B4-BE49-F238E27FC236}">
+                <a16:creationId xmlns:a16="http://schemas.microsoft.com/office/drawing/2014/main" id="{4E414C81-A2D0-A647-8E8D-D775471A6A5C}"/>
+              </a:ext>
+            </a:extLst>
+          </p:cNvPr>
+          <p:cNvSpPr txBox="1"/>
+          <p:nvPr/>
+        </p:nvSpPr>
+        <p:spPr>
+          <a:xfrm>
+            <a:off x="6369776" y="2753979"/>
+            <a:ext cx="2401438" cy="3162404"/>
+          </a:xfrm>
+          <a:prstGeom prst="rect">
+            <a:avLst/>
+          </a:prstGeom>
+          <a:noFill/>
+        </p:spPr>
+        <p:txBody>
+          <a:bodyPr wrap="square" rtlCol="0">
+            <a:spAutoFit/>
+          </a:bodyPr>
+          <a:lstStyle/>
+          <a:p>
+            <a:pPr marL="122238" indent="-122238">
+              <a:buFont typeface="Arial" panose="020B0604020202020204" pitchFamily="34" charset="0"/>
+              <a:buChar char="•"/>
+            </a:pPr>
+            <a:r>
+              <a:rPr lang="en-US" sz="1050">
+                <a:latin typeface="+mn-lt"/>
+              </a:rPr>
+              <a:t>Results will be presented as number values compared across years for specific coastal installations</a:t>
+            </a:r>
+          </a:p>
+          <a:p>
+            <a:pPr marL="122238" indent="-122238">
+              <a:buFont typeface="Arial" panose="020B0604020202020204" pitchFamily="34" charset="0"/>
+              <a:buChar char="•"/>
+            </a:pPr>
+            <a:r>
+              <a:rPr lang="en-US" sz="1050">
+                <a:latin typeface="+mn-lt"/>
+              </a:rPr>
+              <a:t>Time permitting multiple installations will be analyzed in different coastal regions</a:t>
+            </a:r>
+            <a:endParaRPr lang="en-US" sz="1050">
+              <a:highlight>
+                <a:srgbClr val="FFFF00"/>
+              </a:highlight>
+              <a:latin typeface="+mn-lt"/>
+            </a:endParaRPr>
+          </a:p>
+          <a:p>
+            <a:pPr marL="122238" indent="-122238">
+              <a:buFont typeface="Arial" panose="020B0604020202020204" pitchFamily="34" charset="0"/>
+              <a:buChar char="•"/>
+            </a:pPr>
+            <a:r>
+              <a:rPr lang="en-US" sz="1050">
+                <a:latin typeface="+mn-lt"/>
+              </a:rPr>
+              <a:t>Limitations will be availability of data in areas of interest on military installations. The amount of data necessary to compare installations in different geographic regions might prove difficult to work with in the time allowed</a:t>
+            </a:r>
+          </a:p>
+          <a:p>
+            <a:r>
+              <a:rPr lang="en-US" sz="1050" b="1">
+                <a:latin typeface="+mn-lt"/>
+              </a:rPr>
+              <a:t>Future work:</a:t>
+            </a:r>
+          </a:p>
+          <a:p>
+            <a:pPr marL="122238" indent="-122238">
+              <a:buFont typeface="Arial" panose="020B0604020202020204" pitchFamily="34" charset="0"/>
+              <a:buChar char="•"/>
+            </a:pPr>
+            <a:r>
+              <a:rPr lang="en-US" sz="1050">
+                <a:latin typeface="+mn-lt"/>
+              </a:rPr>
+              <a:t>Expanding the code to analyze more installations, and making specific policy recommendations and courses of action for affected installations</a:t>
+            </a:r>
+          </a:p>
+          <a:p>
+            <a:endParaRPr lang="en-US" sz="1050">
+              <a:latin typeface="+mn-lt"/>
+            </a:endParaRPr>
+          </a:p>
+        </p:txBody>
+      </p:sp>
+      <p:sp>
+        <p:nvSpPr>
+          <p:cNvPr id="19" name="TextBox 18">
+            <a:extLst>
+              <a:ext uri="{FF2B5EF4-FFF2-40B4-BE49-F238E27FC236}">
+                <a16:creationId xmlns:a16="http://schemas.microsoft.com/office/drawing/2014/main" id="{E4A925EA-D32D-8143-AE62-AE5A94FD3B08}"/>
+              </a:ext>
+            </a:extLst>
+          </p:cNvPr>
+          <p:cNvSpPr txBox="1"/>
+          <p:nvPr/>
+        </p:nvSpPr>
+        <p:spPr>
+          <a:xfrm>
+            <a:off x="173720" y="6039160"/>
+            <a:ext cx="8795762" cy="626177"/>
+          </a:xfrm>
+          <a:prstGeom prst="rect">
+            <a:avLst/>
+          </a:prstGeom>
+          <a:solidFill>
+            <a:schemeClr val="bg1">
+              <a:lumMod val="95000"/>
+            </a:schemeClr>
+          </a:solidFill>
+        </p:spPr>
+        <p:style>
+          <a:lnRef idx="2">
+            <a:schemeClr val="accent1">
+              <a:shade val="50000"/>
+            </a:schemeClr>
+          </a:lnRef>
+          <a:fillRef idx="1">
+            <a:schemeClr val="accent1"/>
+          </a:fillRef>
+          <a:effectRef idx="0">
+            <a:schemeClr val="accent1"/>
+          </a:effectRef>
+          <a:fontRef idx="minor">
+            <a:schemeClr val="lt1"/>
+          </a:fontRef>
+        </p:style>
+        <p:txBody>
+          <a:bodyPr rtlCol="0" anchor="ctr"/>
           <a:lstStyle>
             <a:defPPr>
               <a:defRPr lang="en-US"/>
@@ -4330,692 +5259,73 @@
             </a:lvl9pPr>
           </a:lstStyle>
           <a:p>
-            <a:pPr marL="171450" indent="-171450" algn="l">
-              <a:buFont typeface="Arial" panose="020B0604020202020204" pitchFamily="34" charset="0"/>
-              <a:buChar char="•"/>
-            </a:pPr>
-            <a:r>
-              <a:rPr lang="en-US" sz="1000" dirty="0">
+            <a:pPr algn="l"/>
+            <a:r>
+              <a:rPr lang="en-US" sz="1200" b="1" i="1">
                 <a:solidFill>
                   <a:schemeClr val="tx1"/>
                 </a:solidFill>
               </a:rPr>
-              <a:t>The climate change causes rising sea-levels, therefor more and more costal regions struggle with the consequences  </a:t>
-            </a:r>
-          </a:p>
-          <a:p>
-            <a:pPr marL="171450" indent="-171450" algn="l">
-              <a:buFont typeface="Arial" panose="020B0604020202020204" pitchFamily="34" charset="0"/>
-              <a:buChar char="•"/>
-            </a:pPr>
-            <a:r>
-              <a:rPr lang="en-US" sz="1000" dirty="0">
-                <a:solidFill>
-                  <a:schemeClr val="tx1"/>
-                </a:solidFill>
-              </a:rPr>
-              <a:t>For some harbors a rising sea-level might be a good thing, but for others it means there a not operational anymore, because the docks getting flooded</a:t>
-            </a:r>
-          </a:p>
-          <a:p>
-            <a:pPr marL="171450" indent="-171450" algn="l">
-              <a:buFont typeface="Arial" panose="020B0604020202020204" pitchFamily="34" charset="0"/>
-              <a:buChar char="•"/>
-            </a:pPr>
-            <a:r>
-              <a:rPr lang="en-US" sz="1000" dirty="0">
-                <a:solidFill>
-                  <a:schemeClr val="tx1"/>
-                </a:solidFill>
-              </a:rPr>
-              <a:t>Which impact does the rising sea-level’s have on military installations along costal sites, especially harbors and the operationality </a:t>
-            </a:r>
-          </a:p>
-          <a:p>
-            <a:pPr marL="171450" indent="-171450" algn="l">
-              <a:buFont typeface="Arial" panose="020B0604020202020204" pitchFamily="34" charset="0"/>
-              <a:buChar char="•"/>
-            </a:pPr>
-            <a:r>
-              <a:rPr lang="en-US" sz="1000" dirty="0">
-                <a:solidFill>
-                  <a:schemeClr val="tx1"/>
-                </a:solidFill>
-              </a:rPr>
-              <a:t>The rising sea-levels will inflict costs for either changing current installations or build new once, depending on the change </a:t>
-            </a:r>
-            <a:r>
-              <a:rPr lang="en-US" sz="1000">
-                <a:solidFill>
-                  <a:schemeClr val="tx1"/>
-                </a:solidFill>
-              </a:rPr>
-              <a:t>of sea-levels</a:t>
-            </a:r>
-            <a:endParaRPr lang="en-US" sz="1000" dirty="0">
-              <a:solidFill>
-                <a:schemeClr val="tx1"/>
-              </a:solidFill>
-            </a:endParaRPr>
-          </a:p>
-          <a:p>
-            <a:pPr marL="171450" indent="-171450" algn="l">
-              <a:buFont typeface="Arial" panose="020B0604020202020204" pitchFamily="34" charset="0"/>
-              <a:buChar char="•"/>
-            </a:pPr>
-            <a:endParaRPr lang="en-US" sz="1000" dirty="0">
-              <a:solidFill>
-                <a:schemeClr val="tx1"/>
-              </a:solidFill>
-            </a:endParaRPr>
-          </a:p>
-        </p:txBody>
-      </p:sp>
-      <p:sp>
-        <p:nvSpPr>
-          <p:cNvPr id="16" name="TextBox 15">
+              <a:t> “If we do not act, as sea levels rise, bases like Norfolk Naval Base and Marine Corps Recruit Depot Parris Island will be severely tested in their ability to support their missions. we do not act, as sea levels rise, bases like Norfolk Naval Base and Marine Corps Recruit Depot Parris Island will be severely tested in their ability to support their missions.” – Department of the Navy, Climate Action 2030, p. 3</a:t>
+            </a:r>
+          </a:p>
+        </p:txBody>
+      </p:sp>
+      <p:sp>
+        <p:nvSpPr>
+          <p:cNvPr id="20" name="Title 3">
             <a:extLst>
               <a:ext uri="{FF2B5EF4-FFF2-40B4-BE49-F238E27FC236}">
-                <a16:creationId xmlns:a16="http://schemas.microsoft.com/office/drawing/2014/main" id="{419B1884-F54B-894F-B8EA-8E5EE6982352}"/>
+                <a16:creationId xmlns:a16="http://schemas.microsoft.com/office/drawing/2014/main" id="{CD8C5F9C-28C2-6E3F-7C57-A3030FAEEF8C}"/>
               </a:ext>
             </a:extLst>
           </p:cNvPr>
-          <p:cNvSpPr txBox="1"/>
-          <p:nvPr/>
+          <p:cNvSpPr>
+            <a:spLocks noGrp="1"/>
+          </p:cNvSpPr>
+          <p:nvPr>
+            <p:ph type="title"/>
+          </p:nvPr>
         </p:nvSpPr>
         <p:spPr>
           <a:xfrm>
-            <a:off x="403932" y="2430470"/>
-            <a:ext cx="2401438" cy="3302830"/>
+            <a:off x="457200" y="152400"/>
+            <a:ext cx="8229600" cy="457200"/>
           </a:xfrm>
-          <a:prstGeom prst="rect">
-            <a:avLst/>
-          </a:prstGeom>
-          <a:solidFill>
-            <a:schemeClr val="bg1">
-              <a:lumMod val="95000"/>
-            </a:schemeClr>
-          </a:solidFill>
-        </p:spPr>
-        <p:style>
-          <a:lnRef idx="2">
-            <a:schemeClr val="accent1">
-              <a:shade val="50000"/>
-            </a:schemeClr>
-          </a:lnRef>
-          <a:fillRef idx="1">
-            <a:schemeClr val="accent1"/>
-          </a:fillRef>
-          <a:effectRef idx="0">
-            <a:schemeClr val="accent1"/>
-          </a:effectRef>
-          <a:fontRef idx="minor">
-            <a:schemeClr val="lt1"/>
-          </a:fontRef>
-        </p:style>
-        <p:txBody>
-          <a:bodyPr rtlCol="0" anchor="t"/>
-          <a:lstStyle>
-            <a:defPPr>
-              <a:defRPr lang="en-US"/>
-            </a:defPPr>
-            <a:lvl1pPr marL="171450" indent="-171450">
-              <a:buFont typeface="Arial" panose="020B0604020202020204" pitchFamily="34" charset="0"/>
-              <a:buChar char="•"/>
-              <a:defRPr sz="1000">
-                <a:latin typeface="+mn-lt"/>
-              </a:defRPr>
-            </a:lvl1pPr>
-            <a:lvl2pPr>
-              <a:defRPr>
-                <a:solidFill>
-                  <a:schemeClr val="lt1"/>
-                </a:solidFill>
-                <a:latin typeface="+mn-lt"/>
-              </a:defRPr>
-            </a:lvl2pPr>
-            <a:lvl3pPr>
-              <a:defRPr>
-                <a:solidFill>
-                  <a:schemeClr val="lt1"/>
-                </a:solidFill>
-                <a:latin typeface="+mn-lt"/>
-              </a:defRPr>
-            </a:lvl3pPr>
-            <a:lvl4pPr>
-              <a:defRPr>
-                <a:solidFill>
-                  <a:schemeClr val="lt1"/>
-                </a:solidFill>
-                <a:latin typeface="+mn-lt"/>
-              </a:defRPr>
-            </a:lvl4pPr>
-            <a:lvl5pPr>
-              <a:defRPr>
-                <a:solidFill>
-                  <a:schemeClr val="lt1"/>
-                </a:solidFill>
-                <a:latin typeface="+mn-lt"/>
-              </a:defRPr>
-            </a:lvl5pPr>
-            <a:lvl6pPr>
-              <a:defRPr>
-                <a:solidFill>
-                  <a:schemeClr val="lt1"/>
-                </a:solidFill>
-                <a:latin typeface="+mn-lt"/>
-              </a:defRPr>
-            </a:lvl6pPr>
-            <a:lvl7pPr>
-              <a:defRPr>
-                <a:solidFill>
-                  <a:schemeClr val="lt1"/>
-                </a:solidFill>
-                <a:latin typeface="+mn-lt"/>
-              </a:defRPr>
-            </a:lvl7pPr>
-            <a:lvl8pPr>
-              <a:defRPr>
-                <a:solidFill>
-                  <a:schemeClr val="lt1"/>
-                </a:solidFill>
-                <a:latin typeface="+mn-lt"/>
-              </a:defRPr>
-            </a:lvl8pPr>
-            <a:lvl9pPr>
-              <a:defRPr>
-                <a:solidFill>
-                  <a:schemeClr val="lt1"/>
-                </a:solidFill>
-                <a:latin typeface="+mn-lt"/>
-              </a:defRPr>
-            </a:lvl9pPr>
-          </a:lstStyle>
-          <a:p>
-            <a:r>
-              <a:rPr lang="en-US" dirty="0">
-                <a:solidFill>
-                  <a:schemeClr val="tx1"/>
-                </a:solidFill>
-              </a:rPr>
-              <a:t>add bullets as necessary</a:t>
-            </a:r>
-          </a:p>
-          <a:p>
-            <a:r>
-              <a:rPr lang="en-US" dirty="0">
-                <a:solidFill>
-                  <a:schemeClr val="tx1"/>
-                </a:solidFill>
-              </a:rPr>
-              <a:t> </a:t>
-            </a:r>
-          </a:p>
-          <a:p>
-            <a:r>
-              <a:rPr lang="en-US" dirty="0">
-                <a:solidFill>
-                  <a:schemeClr val="tx1"/>
-                </a:solidFill>
-              </a:rPr>
-              <a:t> </a:t>
-            </a:r>
-          </a:p>
-        </p:txBody>
-      </p:sp>
-      <p:sp>
-        <p:nvSpPr>
-          <p:cNvPr id="17" name="TextBox 16">
-            <a:extLst>
-              <a:ext uri="{FF2B5EF4-FFF2-40B4-BE49-F238E27FC236}">
-                <a16:creationId xmlns:a16="http://schemas.microsoft.com/office/drawing/2014/main" id="{369B523C-6971-024F-BF19-A7B40DEE58AC}"/>
-              </a:ext>
-            </a:extLst>
-          </p:cNvPr>
-          <p:cNvSpPr txBox="1"/>
-          <p:nvPr/>
-        </p:nvSpPr>
-        <p:spPr>
-          <a:xfrm>
-            <a:off x="3347051" y="2430470"/>
-            <a:ext cx="2565910" cy="3302830"/>
-          </a:xfrm>
-          <a:prstGeom prst="rect">
-            <a:avLst/>
-          </a:prstGeom>
-          <a:solidFill>
-            <a:schemeClr val="bg1">
-              <a:lumMod val="95000"/>
-            </a:schemeClr>
-          </a:solidFill>
-        </p:spPr>
-        <p:style>
-          <a:lnRef idx="2">
-            <a:schemeClr val="accent1">
-              <a:shade val="50000"/>
-            </a:schemeClr>
-          </a:lnRef>
-          <a:fillRef idx="1">
-            <a:schemeClr val="accent1"/>
-          </a:fillRef>
-          <a:effectRef idx="0">
-            <a:schemeClr val="accent1"/>
-          </a:effectRef>
-          <a:fontRef idx="minor">
-            <a:schemeClr val="lt1"/>
-          </a:fontRef>
-        </p:style>
-        <p:txBody>
-          <a:bodyPr rtlCol="0" anchor="t"/>
-          <a:lstStyle>
-            <a:defPPr>
-              <a:defRPr lang="en-US"/>
-            </a:defPPr>
-            <a:lvl1pPr marL="171450" indent="-171450">
-              <a:buFont typeface="Arial" panose="020B0604020202020204" pitchFamily="34" charset="0"/>
-              <a:buChar char="•"/>
-              <a:defRPr sz="1000">
-                <a:latin typeface="+mn-lt"/>
-              </a:defRPr>
-            </a:lvl1pPr>
-            <a:lvl2pPr>
-              <a:defRPr>
-                <a:solidFill>
-                  <a:schemeClr val="lt1"/>
-                </a:solidFill>
-                <a:latin typeface="+mn-lt"/>
-              </a:defRPr>
-            </a:lvl2pPr>
-            <a:lvl3pPr>
-              <a:defRPr>
-                <a:solidFill>
-                  <a:schemeClr val="lt1"/>
-                </a:solidFill>
-                <a:latin typeface="+mn-lt"/>
-              </a:defRPr>
-            </a:lvl3pPr>
-            <a:lvl4pPr>
-              <a:defRPr>
-                <a:solidFill>
-                  <a:schemeClr val="lt1"/>
-                </a:solidFill>
-                <a:latin typeface="+mn-lt"/>
-              </a:defRPr>
-            </a:lvl4pPr>
-            <a:lvl5pPr>
-              <a:defRPr>
-                <a:solidFill>
-                  <a:schemeClr val="lt1"/>
-                </a:solidFill>
-                <a:latin typeface="+mn-lt"/>
-              </a:defRPr>
-            </a:lvl5pPr>
-            <a:lvl6pPr>
-              <a:defRPr>
-                <a:solidFill>
-                  <a:schemeClr val="lt1"/>
-                </a:solidFill>
-                <a:latin typeface="+mn-lt"/>
-              </a:defRPr>
-            </a:lvl6pPr>
-            <a:lvl7pPr>
-              <a:defRPr>
-                <a:solidFill>
-                  <a:schemeClr val="lt1"/>
-                </a:solidFill>
-                <a:latin typeface="+mn-lt"/>
-              </a:defRPr>
-            </a:lvl7pPr>
-            <a:lvl8pPr>
-              <a:defRPr>
-                <a:solidFill>
-                  <a:schemeClr val="lt1"/>
-                </a:solidFill>
-                <a:latin typeface="+mn-lt"/>
-              </a:defRPr>
-            </a:lvl8pPr>
-            <a:lvl9pPr>
-              <a:defRPr>
-                <a:solidFill>
-                  <a:schemeClr val="lt1"/>
-                </a:solidFill>
-                <a:latin typeface="+mn-lt"/>
-              </a:defRPr>
-            </a:lvl9pPr>
-          </a:lstStyle>
-          <a:p>
-            <a:r>
-              <a:rPr lang="en-US" dirty="0">
-                <a:solidFill>
-                  <a:schemeClr val="tx1"/>
-                </a:solidFill>
-              </a:rPr>
-              <a:t> </a:t>
-            </a:r>
-          </a:p>
-          <a:p>
-            <a:r>
-              <a:rPr lang="en-US" dirty="0">
-                <a:solidFill>
-                  <a:schemeClr val="tx1"/>
-                </a:solidFill>
-              </a:rPr>
-              <a:t> </a:t>
-            </a:r>
-          </a:p>
-          <a:p>
-            <a:r>
-              <a:rPr lang="en-US" dirty="0">
-                <a:solidFill>
-                  <a:schemeClr val="tx1"/>
-                </a:solidFill>
-              </a:rPr>
-              <a:t> </a:t>
-            </a:r>
-          </a:p>
-        </p:txBody>
-      </p:sp>
-      <p:sp>
-        <p:nvSpPr>
-          <p:cNvPr id="18" name="TextBox 17">
-            <a:extLst>
-              <a:ext uri="{FF2B5EF4-FFF2-40B4-BE49-F238E27FC236}">
-                <a16:creationId xmlns:a16="http://schemas.microsoft.com/office/drawing/2014/main" id="{4E414C81-A2D0-A647-8E8D-D775471A6A5C}"/>
-              </a:ext>
-            </a:extLst>
-          </p:cNvPr>
-          <p:cNvSpPr txBox="1"/>
-          <p:nvPr/>
-        </p:nvSpPr>
-        <p:spPr>
-          <a:xfrm>
-            <a:off x="6492250" y="2421768"/>
-            <a:ext cx="2401438" cy="3302829"/>
-          </a:xfrm>
-          <a:prstGeom prst="rect">
-            <a:avLst/>
-          </a:prstGeom>
-          <a:solidFill>
-            <a:schemeClr val="bg1">
-              <a:lumMod val="95000"/>
-            </a:schemeClr>
-          </a:solidFill>
-        </p:spPr>
-        <p:style>
-          <a:lnRef idx="2">
-            <a:schemeClr val="accent1">
-              <a:shade val="50000"/>
-            </a:schemeClr>
-          </a:lnRef>
-          <a:fillRef idx="1">
-            <a:schemeClr val="accent1"/>
-          </a:fillRef>
-          <a:effectRef idx="0">
-            <a:schemeClr val="accent1"/>
-          </a:effectRef>
-          <a:fontRef idx="minor">
-            <a:schemeClr val="lt1"/>
-          </a:fontRef>
-        </p:style>
-        <p:txBody>
-          <a:bodyPr rtlCol="0" anchor="t"/>
-          <a:lstStyle>
-            <a:defPPr>
-              <a:defRPr lang="en-US"/>
-            </a:defPPr>
-            <a:lvl1pPr marL="171450" indent="-171450">
-              <a:buFont typeface="Arial" panose="020B0604020202020204" pitchFamily="34" charset="0"/>
-              <a:buChar char="•"/>
-              <a:defRPr sz="1000">
-                <a:latin typeface="+mn-lt"/>
-              </a:defRPr>
-            </a:lvl1pPr>
-            <a:lvl2pPr>
-              <a:defRPr>
-                <a:solidFill>
-                  <a:schemeClr val="lt1"/>
-                </a:solidFill>
-                <a:latin typeface="+mn-lt"/>
-              </a:defRPr>
-            </a:lvl2pPr>
-            <a:lvl3pPr>
-              <a:defRPr>
-                <a:solidFill>
-                  <a:schemeClr val="lt1"/>
-                </a:solidFill>
-                <a:latin typeface="+mn-lt"/>
-              </a:defRPr>
-            </a:lvl3pPr>
-            <a:lvl4pPr>
-              <a:defRPr>
-                <a:solidFill>
-                  <a:schemeClr val="lt1"/>
-                </a:solidFill>
-                <a:latin typeface="+mn-lt"/>
-              </a:defRPr>
-            </a:lvl4pPr>
-            <a:lvl5pPr>
-              <a:defRPr>
-                <a:solidFill>
-                  <a:schemeClr val="lt1"/>
-                </a:solidFill>
-                <a:latin typeface="+mn-lt"/>
-              </a:defRPr>
-            </a:lvl5pPr>
-            <a:lvl6pPr>
-              <a:defRPr>
-                <a:solidFill>
-                  <a:schemeClr val="lt1"/>
-                </a:solidFill>
-                <a:latin typeface="+mn-lt"/>
-              </a:defRPr>
-            </a:lvl6pPr>
-            <a:lvl7pPr>
-              <a:defRPr>
-                <a:solidFill>
-                  <a:schemeClr val="lt1"/>
-                </a:solidFill>
-                <a:latin typeface="+mn-lt"/>
-              </a:defRPr>
-            </a:lvl7pPr>
-            <a:lvl8pPr>
-              <a:defRPr>
-                <a:solidFill>
-                  <a:schemeClr val="lt1"/>
-                </a:solidFill>
-                <a:latin typeface="+mn-lt"/>
-              </a:defRPr>
-            </a:lvl8pPr>
-            <a:lvl9pPr>
-              <a:defRPr>
-                <a:solidFill>
-                  <a:schemeClr val="lt1"/>
-                </a:solidFill>
-                <a:latin typeface="+mn-lt"/>
-              </a:defRPr>
-            </a:lvl9pPr>
-          </a:lstStyle>
-          <a:p>
-            <a:r>
-              <a:rPr lang="en-US" dirty="0">
-                <a:solidFill>
-                  <a:schemeClr val="tx1"/>
-                </a:solidFill>
-              </a:rPr>
-              <a:t> </a:t>
-            </a:r>
-          </a:p>
-          <a:p>
-            <a:r>
-              <a:rPr lang="en-US" dirty="0">
-                <a:solidFill>
-                  <a:schemeClr val="tx1"/>
-                </a:solidFill>
-              </a:rPr>
-              <a:t> </a:t>
-            </a:r>
-          </a:p>
-          <a:p>
-            <a:r>
-              <a:rPr lang="en-US" dirty="0">
-                <a:solidFill>
-                  <a:schemeClr val="tx1"/>
-                </a:solidFill>
-              </a:rPr>
-              <a:t> </a:t>
-            </a:r>
-          </a:p>
-        </p:txBody>
-      </p:sp>
-      <p:sp>
-        <p:nvSpPr>
-          <p:cNvPr id="19" name="TextBox 18">
-            <a:extLst>
-              <a:ext uri="{FF2B5EF4-FFF2-40B4-BE49-F238E27FC236}">
-                <a16:creationId xmlns:a16="http://schemas.microsoft.com/office/drawing/2014/main" id="{E4A925EA-D32D-8143-AE62-AE5A94FD3B08}"/>
-              </a:ext>
-            </a:extLst>
-          </p:cNvPr>
-          <p:cNvSpPr txBox="1"/>
-          <p:nvPr/>
-        </p:nvSpPr>
-        <p:spPr>
-          <a:xfrm>
-            <a:off x="193830" y="6052069"/>
-            <a:ext cx="8795762" cy="626177"/>
-          </a:xfrm>
-          <a:prstGeom prst="rect">
-            <a:avLst/>
-          </a:prstGeom>
-          <a:solidFill>
-            <a:schemeClr val="bg1">
-              <a:lumMod val="95000"/>
-            </a:schemeClr>
-          </a:solidFill>
-        </p:spPr>
-        <p:style>
-          <a:lnRef idx="2">
-            <a:schemeClr val="accent1">
-              <a:shade val="50000"/>
-            </a:schemeClr>
-          </a:lnRef>
-          <a:fillRef idx="1">
-            <a:schemeClr val="accent1"/>
-          </a:fillRef>
-          <a:effectRef idx="0">
-            <a:schemeClr val="accent1"/>
-          </a:effectRef>
-          <a:fontRef idx="minor">
-            <a:schemeClr val="lt1"/>
-          </a:fontRef>
-        </p:style>
-        <p:txBody>
-          <a:bodyPr rtlCol="0" anchor="t"/>
-          <a:lstStyle>
-            <a:defPPr>
-              <a:defRPr lang="en-US"/>
-            </a:defPPr>
-            <a:lvl1pPr algn="ctr">
-              <a:defRPr>
-                <a:solidFill>
-                  <a:schemeClr val="lt1"/>
-                </a:solidFill>
-                <a:latin typeface="+mn-lt"/>
-              </a:defRPr>
-            </a:lvl1pPr>
-            <a:lvl2pPr>
-              <a:defRPr>
-                <a:solidFill>
-                  <a:schemeClr val="lt1"/>
-                </a:solidFill>
-                <a:latin typeface="+mn-lt"/>
-              </a:defRPr>
-            </a:lvl2pPr>
-            <a:lvl3pPr>
-              <a:defRPr>
-                <a:solidFill>
-                  <a:schemeClr val="lt1"/>
-                </a:solidFill>
-                <a:latin typeface="+mn-lt"/>
-              </a:defRPr>
-            </a:lvl3pPr>
-            <a:lvl4pPr>
-              <a:defRPr>
-                <a:solidFill>
-                  <a:schemeClr val="lt1"/>
-                </a:solidFill>
-                <a:latin typeface="+mn-lt"/>
-              </a:defRPr>
-            </a:lvl4pPr>
-            <a:lvl5pPr>
-              <a:defRPr>
-                <a:solidFill>
-                  <a:schemeClr val="lt1"/>
-                </a:solidFill>
-                <a:latin typeface="+mn-lt"/>
-              </a:defRPr>
-            </a:lvl5pPr>
-            <a:lvl6pPr>
-              <a:defRPr>
-                <a:solidFill>
-                  <a:schemeClr val="lt1"/>
-                </a:solidFill>
-                <a:latin typeface="+mn-lt"/>
-              </a:defRPr>
-            </a:lvl6pPr>
-            <a:lvl7pPr>
-              <a:defRPr>
-                <a:solidFill>
-                  <a:schemeClr val="lt1"/>
-                </a:solidFill>
-                <a:latin typeface="+mn-lt"/>
-              </a:defRPr>
-            </a:lvl7pPr>
-            <a:lvl8pPr>
-              <a:defRPr>
-                <a:solidFill>
-                  <a:schemeClr val="lt1"/>
-                </a:solidFill>
-                <a:latin typeface="+mn-lt"/>
-              </a:defRPr>
-            </a:lvl8pPr>
-            <a:lvl9pPr>
-              <a:defRPr>
-                <a:solidFill>
-                  <a:schemeClr val="lt1"/>
-                </a:solidFill>
-                <a:latin typeface="+mn-lt"/>
-              </a:defRPr>
-            </a:lvl9pPr>
-          </a:lstStyle>
+          <a:ln>
+            <a:solidFill>
+              <a:schemeClr val="tx1"/>
+            </a:solidFill>
+          </a:ln>
+        </p:spPr>
+        <p:txBody>
+          <a:bodyPr/>
+          <a:lstStyle/>
           <a:p>
             <a:pPr algn="l"/>
             <a:r>
-              <a:rPr lang="en-US" sz="1100" i="1" dirty="0">
-                <a:solidFill>
-                  <a:schemeClr val="tx1"/>
-                </a:solidFill>
-              </a:rPr>
-              <a:t>In what area(s) will you explore something new, along (at least) one of these three elements?</a:t>
-            </a:r>
-          </a:p>
-          <a:p>
-            <a:pPr marL="171450" indent="-171450" algn="l">
-              <a:buFont typeface="Arial" panose="020B0604020202020204" pitchFamily="34" charset="0"/>
-              <a:buChar char="•"/>
-            </a:pPr>
-            <a:endParaRPr lang="en-US" sz="1100" dirty="0">
-              <a:solidFill>
-                <a:schemeClr val="tx1"/>
-              </a:solidFill>
-            </a:endParaRPr>
+              <a:rPr lang="en-US" sz="1200"/>
+              <a:t>Project Team Members: John Brenner, Thomas Stone, and Conrad Urban</a:t>
+            </a:r>
+            <a:br>
+              <a:rPr lang="en-US" sz="1200"/>
+            </a:br>
+            <a:r>
+              <a:rPr lang="en-US" sz="1200"/>
+              <a:t>Project Title (tentative): </a:t>
+            </a:r>
+            <a:r>
+              <a:rPr lang="en-US" sz="1200" err="1"/>
+              <a:t>HarborTide</a:t>
+            </a:r>
+            <a:endParaRPr lang="en-US" sz="1200"/>
           </a:p>
         </p:txBody>
       </p:sp>
     </p:spTree>
     <p:extLst>
       <p:ext uri="{BB962C8B-B14F-4D97-AF65-F5344CB8AC3E}">
-        <p14:creationId xmlns:p14="http://schemas.microsoft.com/office/powerpoint/2010/main" val="3166837950"/>
+        <p14:creationId xmlns:p14="http://schemas.microsoft.com/office/powerpoint/2010/main" val="1054303933"/>
       </p:ext>
     </p:extLst>
   </p:cSld>
